--- a/PPT课件/Part6-27：DDD实战-基础设施的实现.pptx
+++ b/PPT课件/Part6-27：DDD实战-基础设施的实现.pptx
@@ -5,14 +5,15 @@
     <p:sldMasterId id="2147483678" r:id="rId1"/>
   </p:sldMasterIdLst>
   <p:notesMasterIdLst>
-    <p:notesMasterId r:id="rId7"/>
+    <p:notesMasterId r:id="rId8"/>
   </p:notesMasterIdLst>
   <p:sldIdLst>
     <p:sldId id="257" r:id="rId2"/>
     <p:sldId id="278" r:id="rId3"/>
     <p:sldId id="279" r:id="rId4"/>
     <p:sldId id="280" r:id="rId5"/>
-    <p:sldId id="275" r:id="rId6"/>
+    <p:sldId id="281" r:id="rId6"/>
+    <p:sldId id="275" r:id="rId7"/>
   </p:sldIdLst>
   <p:sldSz cx="12192000" cy="6858000"/>
   <p:notesSz cx="6858000" cy="9144000"/>
@@ -201,7 +202,7 @@
           <a:p>
             <a:fld id="{0A2FCA5F-0AB4-4B27-9880-843A32CD3FC4}" type="datetimeFigureOut">
               <a:rPr lang="zh-CN" altLang="en-US" smtClean="0"/>
-              <a:t>2022/2/19</a:t>
+              <a:t>2022/3/1</a:t>
             </a:fld>
             <a:endParaRPr lang="zh-CN" altLang="en-US"/>
           </a:p>
@@ -685,7 +686,7 @@
           <a:p>
             <a:fld id="{51EE646F-F65C-4115-9CFB-3F24605268F9}" type="datetimeFigureOut">
               <a:rPr lang="zh-CN" altLang="en-US" smtClean="0"/>
-              <a:t>2022/2/19</a:t>
+              <a:t>2022/3/1</a:t>
             </a:fld>
             <a:endParaRPr lang="zh-CN" altLang="en-US"/>
           </a:p>
@@ -972,7 +973,7 @@
           <a:p>
             <a:fld id="{51EE646F-F65C-4115-9CFB-3F24605268F9}" type="datetimeFigureOut">
               <a:rPr lang="zh-CN" altLang="en-US" smtClean="0"/>
-              <a:t>2022/2/19</a:t>
+              <a:t>2022/3/1</a:t>
             </a:fld>
             <a:endParaRPr lang="zh-CN" altLang="en-US"/>
           </a:p>
@@ -1164,7 +1165,7 @@
           <a:p>
             <a:fld id="{51EE646F-F65C-4115-9CFB-3F24605268F9}" type="datetimeFigureOut">
               <a:rPr lang="zh-CN" altLang="en-US" smtClean="0"/>
-              <a:t>2022/2/19</a:t>
+              <a:t>2022/3/1</a:t>
             </a:fld>
             <a:endParaRPr lang="zh-CN" altLang="en-US"/>
           </a:p>
@@ -1425,7 +1426,7 @@
           <a:p>
             <a:fld id="{51EE646F-F65C-4115-9CFB-3F24605268F9}" type="datetimeFigureOut">
               <a:rPr lang="zh-CN" altLang="en-US" smtClean="0"/>
-              <a:t>2022/2/19</a:t>
+              <a:t>2022/3/1</a:t>
             </a:fld>
             <a:endParaRPr lang="zh-CN" altLang="en-US"/>
           </a:p>
@@ -1849,7 +1850,7 @@
           <a:p>
             <a:fld id="{51EE646F-F65C-4115-9CFB-3F24605268F9}" type="datetimeFigureOut">
               <a:rPr lang="zh-CN" altLang="en-US" smtClean="0"/>
-              <a:t>2022/2/19</a:t>
+              <a:t>2022/3/1</a:t>
             </a:fld>
             <a:endParaRPr lang="zh-CN" altLang="en-US"/>
           </a:p>
@@ -2395,7 +2396,7 @@
           <a:p>
             <a:fld id="{51EE646F-F65C-4115-9CFB-3F24605268F9}" type="datetimeFigureOut">
               <a:rPr lang="zh-CN" altLang="en-US" smtClean="0"/>
-              <a:t>2022/2/19</a:t>
+              <a:t>2022/3/1</a:t>
             </a:fld>
             <a:endParaRPr lang="zh-CN" altLang="en-US"/>
           </a:p>
@@ -3235,7 +3236,7 @@
           <a:p>
             <a:fld id="{51EE646F-F65C-4115-9CFB-3F24605268F9}" type="datetimeFigureOut">
               <a:rPr lang="zh-CN" altLang="en-US" smtClean="0"/>
-              <a:t>2022/2/19</a:t>
+              <a:t>2022/3/1</a:t>
             </a:fld>
             <a:endParaRPr lang="zh-CN" altLang="en-US"/>
           </a:p>
@@ -3405,7 +3406,7 @@
           <a:p>
             <a:fld id="{51EE646F-F65C-4115-9CFB-3F24605268F9}" type="datetimeFigureOut">
               <a:rPr lang="zh-CN" altLang="en-US" smtClean="0"/>
-              <a:t>2022/2/19</a:t>
+              <a:t>2022/3/1</a:t>
             </a:fld>
             <a:endParaRPr lang="zh-CN" altLang="en-US"/>
           </a:p>
@@ -3589,7 +3590,7 @@
           <a:p>
             <a:fld id="{51EE646F-F65C-4115-9CFB-3F24605268F9}" type="datetimeFigureOut">
               <a:rPr lang="zh-CN" altLang="en-US" smtClean="0"/>
-              <a:t>2022/2/19</a:t>
+              <a:t>2022/3/1</a:t>
             </a:fld>
             <a:endParaRPr lang="zh-CN" altLang="en-US"/>
           </a:p>
@@ -3759,7 +3760,7 @@
           <a:p>
             <a:fld id="{51EE646F-F65C-4115-9CFB-3F24605268F9}" type="datetimeFigureOut">
               <a:rPr lang="zh-CN" altLang="en-US" smtClean="0"/>
-              <a:t>2022/2/19</a:t>
+              <a:t>2022/3/1</a:t>
             </a:fld>
             <a:endParaRPr lang="zh-CN" altLang="en-US"/>
           </a:p>
@@ -4007,7 +4008,7 @@
           <a:p>
             <a:fld id="{51EE646F-F65C-4115-9CFB-3F24605268F9}" type="datetimeFigureOut">
               <a:rPr lang="zh-CN" altLang="en-US" smtClean="0"/>
-              <a:t>2022/2/19</a:t>
+              <a:t>2022/3/1</a:t>
             </a:fld>
             <a:endParaRPr lang="zh-CN" altLang="en-US"/>
           </a:p>
@@ -4244,7 +4245,7 @@
           <a:p>
             <a:fld id="{51EE646F-F65C-4115-9CFB-3F24605268F9}" type="datetimeFigureOut">
               <a:rPr lang="zh-CN" altLang="en-US" smtClean="0"/>
-              <a:t>2022/2/19</a:t>
+              <a:t>2022/3/1</a:t>
             </a:fld>
             <a:endParaRPr lang="zh-CN" altLang="en-US"/>
           </a:p>
@@ -4617,7 +4618,7 @@
           <a:p>
             <a:fld id="{51EE646F-F65C-4115-9CFB-3F24605268F9}" type="datetimeFigureOut">
               <a:rPr lang="zh-CN" altLang="en-US" smtClean="0"/>
-              <a:t>2022/2/19</a:t>
+              <a:t>2022/3/1</a:t>
             </a:fld>
             <a:endParaRPr lang="zh-CN" altLang="en-US"/>
           </a:p>
@@ -4735,7 +4736,7 @@
           <a:p>
             <a:fld id="{51EE646F-F65C-4115-9CFB-3F24605268F9}" type="datetimeFigureOut">
               <a:rPr lang="zh-CN" altLang="en-US" smtClean="0"/>
-              <a:t>2022/2/19</a:t>
+              <a:t>2022/3/1</a:t>
             </a:fld>
             <a:endParaRPr lang="zh-CN" altLang="en-US"/>
           </a:p>
@@ -4830,7 +4831,7 @@
           <a:p>
             <a:fld id="{51EE646F-F65C-4115-9CFB-3F24605268F9}" type="datetimeFigureOut">
               <a:rPr lang="zh-CN" altLang="en-US" smtClean="0"/>
-              <a:t>2022/2/19</a:t>
+              <a:t>2022/3/1</a:t>
             </a:fld>
             <a:endParaRPr lang="zh-CN" altLang="en-US"/>
           </a:p>
@@ -5081,7 +5082,7 @@
           <a:p>
             <a:fld id="{51EE646F-F65C-4115-9CFB-3F24605268F9}" type="datetimeFigureOut">
               <a:rPr lang="zh-CN" altLang="en-US" smtClean="0"/>
-              <a:t>2022/2/19</a:t>
+              <a:t>2022/3/1</a:t>
             </a:fld>
             <a:endParaRPr lang="zh-CN" altLang="en-US"/>
           </a:p>
@@ -5368,7 +5369,7 @@
           <a:p>
             <a:fld id="{51EE646F-F65C-4115-9CFB-3F24605268F9}" type="datetimeFigureOut">
               <a:rPr lang="zh-CN" altLang="en-US" smtClean="0"/>
-              <a:t>2022/2/19</a:t>
+              <a:t>2022/3/1</a:t>
             </a:fld>
             <a:endParaRPr lang="zh-CN" altLang="en-US"/>
           </a:p>
@@ -5581,7 +5582,7 @@
           <a:p>
             <a:fld id="{51EE646F-F65C-4115-9CFB-3F24605268F9}" type="datetimeFigureOut">
               <a:rPr lang="zh-CN" altLang="en-US" smtClean="0"/>
-              <a:t>2022/2/19</a:t>
+              <a:t>2022/3/1</a:t>
             </a:fld>
             <a:endParaRPr lang="zh-CN" altLang="en-US"/>
           </a:p>
@@ -7388,6 +7389,122 @@
 </file>
 
 <file path=ppt/slides/slide5.xml><?xml version="1.0" encoding="utf-8"?>
+<p:sld xmlns:a="http://schemas.openxmlformats.org/drawingml/2006/main" xmlns:r="http://schemas.openxmlformats.org/officeDocument/2006/relationships" xmlns:p="http://schemas.openxmlformats.org/presentationml/2006/main">
+  <p:cSld>
+    <p:spTree>
+      <p:nvGrpSpPr>
+        <p:cNvPr id="1" name=""/>
+        <p:cNvGrpSpPr/>
+        <p:nvPr/>
+      </p:nvGrpSpPr>
+      <p:grpSpPr>
+        <a:xfrm>
+          <a:off x="0" y="0"/>
+          <a:ext cx="0" cy="0"/>
+          <a:chOff x="0" y="0"/>
+          <a:chExt cx="0" cy="0"/>
+        </a:xfrm>
+      </p:grpSpPr>
+      <p:sp>
+        <p:nvSpPr>
+          <p:cNvPr id="2" name="标题 1">
+            <a:extLst>
+              <a:ext uri="{FF2B5EF4-FFF2-40B4-BE49-F238E27FC236}">
+                <a16:creationId xmlns:a16="http://schemas.microsoft.com/office/drawing/2014/main" id="{180446AE-D477-4F03-9D8F-258708FF1D60}"/>
+              </a:ext>
+            </a:extLst>
+          </p:cNvPr>
+          <p:cNvSpPr>
+            <a:spLocks noGrp="1"/>
+          </p:cNvSpPr>
+          <p:nvPr>
+            <p:ph type="title"/>
+          </p:nvPr>
+        </p:nvSpPr>
+        <p:spPr>
+          <a:xfrm>
+            <a:off x="104169" y="142876"/>
+            <a:ext cx="7392005" cy="457200"/>
+          </a:xfrm>
+        </p:spPr>
+        <p:txBody>
+          <a:bodyPr>
+            <a:normAutofit fontScale="90000"/>
+          </a:bodyPr>
+          <a:lstStyle/>
+          <a:p>
+            <a:pPr algn="l"/>
+            <a:r>
+              <a:rPr lang="zh-CN" altLang="en-US" sz="3600" cap="none" dirty="0"/>
+              <a:t>其他</a:t>
+            </a:r>
+            <a:endParaRPr lang="zh-CN" altLang="en-US" cap="none" dirty="0"/>
+          </a:p>
+        </p:txBody>
+      </p:sp>
+      <p:sp>
+        <p:nvSpPr>
+          <p:cNvPr id="3" name="内容占位符 2">
+            <a:extLst>
+              <a:ext uri="{FF2B5EF4-FFF2-40B4-BE49-F238E27FC236}">
+                <a16:creationId xmlns:a16="http://schemas.microsoft.com/office/drawing/2014/main" id="{83308F8D-BBAE-48DC-9AA2-2743FAC24F6D}"/>
+              </a:ext>
+            </a:extLst>
+          </p:cNvPr>
+          <p:cNvSpPr>
+            <a:spLocks noGrp="1"/>
+          </p:cNvSpPr>
+          <p:nvPr>
+            <p:ph idx="1"/>
+          </p:nvPr>
+        </p:nvSpPr>
+        <p:spPr>
+          <a:xfrm>
+            <a:off x="104170" y="791138"/>
+            <a:ext cx="12011630" cy="5923985"/>
+          </a:xfrm>
+        </p:spPr>
+        <p:txBody>
+          <a:bodyPr>
+            <a:noAutofit/>
+          </a:bodyPr>
+          <a:lstStyle/>
+          <a:p>
+            <a:pPr marL="0" indent="0">
+              <a:lnSpc>
+                <a:spcPct val="100000"/>
+              </a:lnSpc>
+              <a:spcBef>
+                <a:spcPts val="0"/>
+              </a:spcBef>
+              <a:buNone/>
+            </a:pPr>
+            <a:r>
+              <a:rPr lang="en-US" altLang="zh-CN" sz="2600" dirty="0" err="1"/>
+              <a:t>DBContext</a:t>
+            </a:r>
+            <a:r>
+              <a:rPr lang="zh-CN" altLang="en-US" sz="2600" dirty="0"/>
+              <a:t>、防腐层等实现</a:t>
+            </a:r>
+            <a:endParaRPr lang="en-US" altLang="zh-CN" sz="2600" dirty="0"/>
+          </a:p>
+        </p:txBody>
+      </p:sp>
+    </p:spTree>
+    <p:extLst>
+      <p:ext uri="{BB962C8B-B14F-4D97-AF65-F5344CB8AC3E}">
+        <p14:creationId xmlns:p14="http://schemas.microsoft.com/office/powerpoint/2010/main" val="4067553059"/>
+      </p:ext>
+    </p:extLst>
+  </p:cSld>
+  <p:clrMapOvr>
+    <a:masterClrMapping/>
+  </p:clrMapOvr>
+</p:sld>
+</file>
+
+<file path=ppt/slides/slide6.xml><?xml version="1.0" encoding="utf-8"?>
 <p:sld xmlns:a="http://schemas.openxmlformats.org/drawingml/2006/main" xmlns:r="http://schemas.openxmlformats.org/officeDocument/2006/relationships" xmlns:p="http://schemas.openxmlformats.org/presentationml/2006/main">
   <p:cSld>
     <p:spTree>
